--- a/PocketTicket_Planning_v1.0.pptx
+++ b/PocketTicket_Planning_v1.0.pptx
@@ -3747,17 +3747,7 @@
                   </a:schemeClr>
                 </a:solidFill>
               </a:rPr>
-              <a:t>: </a:t>
-            </a:r>
-            <a:r>
-              <a:rPr lang="en-US" altLang="ko-KR" sz="2000" dirty="0" smtClean="0">
-                <a:solidFill>
-                  <a:schemeClr val="accent3">
-                    <a:lumMod val="75000"/>
-                  </a:schemeClr>
-                </a:solidFill>
-              </a:rPr>
-              <a:t>Linda</a:t>
+              <a:t>: Linda</a:t>
             </a:r>
             <a:endParaRPr lang="ko-KR" altLang="en-US" sz="2000" dirty="0">
               <a:solidFill>
@@ -3785,7 +3775,7 @@
         </p:nvGraphicFramePr>
         <p:xfrm>
           <a:off x="285664" y="874058"/>
-          <a:ext cx="11036760" cy="6137148"/>
+          <a:ext cx="11036760" cy="6233160"/>
         </p:xfrm>
         <a:graphic>
           <a:graphicData uri="http://schemas.openxmlformats.org/drawingml/2006/table">
@@ -5240,10 +5230,10 @@
                           <a:ea typeface="나눔고딕" panose="020D0604000000000000" pitchFamily="50" charset="-127"/>
                           <a:cs typeface="+mn-cs"/>
                         </a:rPr>
-                        <a:t>를 </a:t>
-                      </a:r>
-                      <a:r>
-                        <a:rPr lang="ko-KR" altLang="en-US" sz="1200" b="0" dirty="0" smtClean="0">
+                        <a:t>를 이용하여</a:t>
+                      </a:r>
+                      <a:r>
+                        <a:rPr lang="en-US" altLang="ko-KR" sz="1200" b="0" baseline="0" dirty="0" smtClean="0">
                           <a:solidFill>
                             <a:schemeClr val="tx1">
                               <a:lumMod val="95000"/>
@@ -5255,10 +5245,10 @@
                           <a:ea typeface="나눔고딕" panose="020D0604000000000000" pitchFamily="50" charset="-127"/>
                           <a:cs typeface="+mn-cs"/>
                         </a:rPr>
-                        <a:t>이용하여</a:t>
-                      </a:r>
-                      <a:r>
-                        <a:rPr lang="en-US" altLang="ko-KR" sz="1200" b="0" baseline="0" dirty="0" smtClean="0">
+                        <a:t> </a:t>
+                      </a:r>
+                      <a:r>
+                        <a:rPr lang="ko-KR" altLang="en-US" sz="1200" b="0" baseline="0" dirty="0" smtClean="0">
                           <a:solidFill>
                             <a:schemeClr val="tx1">
                               <a:lumMod val="95000"/>
@@ -5270,37 +5260,7 @@
                           <a:ea typeface="나눔고딕" panose="020D0604000000000000" pitchFamily="50" charset="-127"/>
                           <a:cs typeface="+mn-cs"/>
                         </a:rPr>
-                        <a:t> </a:t>
-                      </a:r>
-                      <a:r>
-                        <a:rPr lang="ko-KR" altLang="en-US" sz="1200" b="0" baseline="0" dirty="0" smtClean="0">
-                          <a:solidFill>
-                            <a:schemeClr val="tx1">
-                              <a:lumMod val="95000"/>
-                              <a:lumOff val="5000"/>
-                            </a:schemeClr>
-                          </a:solidFill>
-                          <a:effectLst/>
-                          <a:latin typeface="나눔고딕" panose="020D0604000000000000" pitchFamily="50" charset="-127"/>
-                          <a:ea typeface="나눔고딕" panose="020D0604000000000000" pitchFamily="50" charset="-127"/>
-                          <a:cs typeface="+mn-cs"/>
-                        </a:rPr>
-                        <a:t>길찾기 </a:t>
-                      </a:r>
-                      <a:r>
-                        <a:rPr lang="ko-KR" altLang="en-US" sz="1200" b="0" baseline="0" dirty="0" smtClean="0">
-                          <a:solidFill>
-                            <a:schemeClr val="tx1">
-                              <a:lumMod val="95000"/>
-                              <a:lumOff val="5000"/>
-                            </a:schemeClr>
-                          </a:solidFill>
-                          <a:effectLst/>
-                          <a:latin typeface="나눔고딕" panose="020D0604000000000000" pitchFamily="50" charset="-127"/>
-                          <a:ea typeface="나눔고딕" panose="020D0604000000000000" pitchFamily="50" charset="-127"/>
-                          <a:cs typeface="+mn-cs"/>
-                        </a:rPr>
-                        <a:t>기능 제공 </a:t>
+                        <a:t>길찾기 기능 제공 </a:t>
                       </a:r>
                       <a:endParaRPr lang="en-US" altLang="ko-KR" sz="1200" b="0" dirty="0" smtClean="0">
                         <a:solidFill>
@@ -6492,15 +6452,7 @@
                           <a:ea typeface="Malgun Gothic" charset="-127"/>
                           <a:cs typeface="Malgun Gothic" charset="-127"/>
                         </a:rPr>
-                        <a:t>id(PK</a:t>
-                      </a:r>
-                      <a:r>
-                        <a:rPr lang="en-US" altLang="ko-KR" sz="1800" b="0" dirty="0" smtClean="0">
-                          <a:latin typeface="Malgun Gothic" charset="-127"/>
-                          <a:ea typeface="Malgun Gothic" charset="-127"/>
-                          <a:cs typeface="Malgun Gothic" charset="-127"/>
-                        </a:rPr>
-                        <a:t>)</a:t>
+                        <a:t>id(PK)</a:t>
                       </a:r>
                     </a:p>
                     <a:p>
@@ -6592,15 +6544,7 @@
                           <a:ea typeface="Malgun Gothic" charset="-127"/>
                           <a:cs typeface="Malgun Gothic" charset="-127"/>
                         </a:rPr>
-                        <a:t>id(PK</a:t>
-                      </a:r>
-                      <a:r>
-                        <a:rPr lang="en-US" altLang="ko-KR" sz="1800" b="0" dirty="0" smtClean="0">
-                          <a:latin typeface="Malgun Gothic" charset="-127"/>
-                          <a:ea typeface="Malgun Gothic" charset="-127"/>
-                          <a:cs typeface="Malgun Gothic" charset="-127"/>
-                        </a:rPr>
-                        <a:t>)</a:t>
+                        <a:t>id(PK)</a:t>
                       </a:r>
                     </a:p>
                     <a:p>
@@ -6801,11 +6745,6 @@
                         </a:rPr>
                         <a:t>photos(op)</a:t>
                       </a:r>
-                      <a:endParaRPr lang="en-US" altLang="ko-KR" sz="1800" b="0" dirty="0" smtClean="0">
-                        <a:latin typeface="Malgun Gothic" charset="-127"/>
-                        <a:ea typeface="Malgun Gothic" charset="-127"/>
-                        <a:cs typeface="Malgun Gothic" charset="-127"/>
-                      </a:endParaRPr>
                     </a:p>
                   </a:txBody>
                   <a:tcPr/>
@@ -7765,7 +7704,7 @@
         </p:blipFill>
         <p:spPr>
           <a:xfrm>
-            <a:off x="7057081" y="1791392"/>
+            <a:off x="7040897" y="1791392"/>
             <a:ext cx="2631184" cy="4680000"/>
           </a:xfrm>
           <a:prstGeom prst="rect">
@@ -8181,7 +8120,7 @@
           <a:lstStyle/>
           <a:p>
             <a:r>
-              <a:rPr kumimoji="1" lang="en-US" altLang="ko-KR" sz="4000" b="1" smtClean="0"/>
+              <a:rPr kumimoji="1" lang="en-US" altLang="ko-KR" sz="4000" b="1" dirty="0" smtClean="0"/>
               <a:t>Calendar View </a:t>
             </a:r>
             <a:endParaRPr kumimoji="1" lang="ko-KR" altLang="en-US" sz="4000" b="1" dirty="0"/>
@@ -8785,15 +8724,7 @@
           <a:p>
             <a:r>
               <a:rPr kumimoji="1" lang="ko-KR" altLang="en-US" sz="1200" dirty="0" smtClean="0"/>
-              <a:t>아래</a:t>
-            </a:r>
-            <a:r>
-              <a:rPr kumimoji="1" lang="ko-KR" altLang="en-US" sz="1200" dirty="0" smtClean="0"/>
-              <a:t>로 </a:t>
-            </a:r>
-            <a:r>
-              <a:rPr kumimoji="1" lang="ko-KR" altLang="en-US" sz="1200" dirty="0" smtClean="0"/>
-              <a:t>스와이프</a:t>
+              <a:t>아래로 스와이프</a:t>
             </a:r>
             <a:endParaRPr kumimoji="1" lang="ko-KR" altLang="en-US" sz="1200" dirty="0"/>
           </a:p>
@@ -9409,11 +9340,7 @@
           <a:p>
             <a:r>
               <a:rPr kumimoji="1" lang="ko-KR" altLang="en-US" sz="1200" dirty="0" smtClean="0"/>
-              <a:t>양옆으로 </a:t>
-            </a:r>
-            <a:r>
-              <a:rPr kumimoji="1" lang="ko-KR" altLang="en-US" sz="1200" dirty="0" smtClean="0"/>
-              <a:t>스와이프 하면</a:t>
+              <a:t>양옆으로 스와이프 하면</a:t>
             </a:r>
             <a:endParaRPr kumimoji="1" lang="en-US" altLang="ko-KR" sz="1200" dirty="0" smtClean="0"/>
           </a:p>
